--- a/ppt 16-9/0388.不要弃绝主恩道.pptx
+++ b/ppt 16-9/0388.不要弃绝主恩道.pptx
@@ -5,7 +5,7 @@
     <p:sldMasterId id="2147483648" r:id="rId1"/>
   </p:sldMasterIdLst>
   <p:sldIdLst>
-    <p:sldId id="3310" r:id="rId2"/>
+    <p:sldId id="3312" r:id="rId2"/>
   </p:sldIdLst>
   <p:sldSz cx="12192000" cy="6858000"/>
   <p:notesSz cx="6858000" cy="9144000"/>
@@ -129,7 +129,7 @@
           <p:cNvPr id="2" name="标题 1">
             <a:extLst>
               <a:ext uri="{FF2B5EF4-FFF2-40B4-BE49-F238E27FC236}">
-                <a16:creationId xmlns:a16="http://schemas.microsoft.com/office/drawing/2014/main" id="{BAE9B063-BB9E-7CCA-0664-2E790C2806D0}"/>
+                <a16:creationId xmlns:a16="http://schemas.microsoft.com/office/drawing/2014/main" id="{FD059445-8265-4B8F-251A-A16C94F25C45}"/>
               </a:ext>
             </a:extLst>
           </p:cNvPr>
@@ -166,7 +166,7 @@
           <p:cNvPr id="3" name="副标题 2">
             <a:extLst>
               <a:ext uri="{FF2B5EF4-FFF2-40B4-BE49-F238E27FC236}">
-                <a16:creationId xmlns:a16="http://schemas.microsoft.com/office/drawing/2014/main" id="{83B65842-1331-F9BB-28CC-0F271CC0E981}"/>
+                <a16:creationId xmlns:a16="http://schemas.microsoft.com/office/drawing/2014/main" id="{850CEF1B-C35A-6FF9-0ACC-A8A092EE0749}"/>
               </a:ext>
             </a:extLst>
           </p:cNvPr>
@@ -236,7 +236,7 @@
           <p:cNvPr id="4" name="日期占位符 3">
             <a:extLst>
               <a:ext uri="{FF2B5EF4-FFF2-40B4-BE49-F238E27FC236}">
-                <a16:creationId xmlns:a16="http://schemas.microsoft.com/office/drawing/2014/main" id="{B8AF466C-E517-5BE9-739E-FB53994FC3B5}"/>
+                <a16:creationId xmlns:a16="http://schemas.microsoft.com/office/drawing/2014/main" id="{B9DA4CDB-1842-26F0-1C07-DDED51AE8081}"/>
               </a:ext>
             </a:extLst>
           </p:cNvPr>
@@ -252,7 +252,7 @@
           <a:bodyPr/>
           <a:lstStyle/>
           <a:p>
-            <a:fld id="{13D5B90F-437B-4921-9B3A-1F98147A23EE}" type="datetimeFigureOut">
+            <a:fld id="{CBDD8710-906D-4D73-BF3D-35B584857DDA}" type="datetimeFigureOut">
               <a:rPr lang="zh-CN" altLang="en-US" smtClean="0"/>
               <a:t>2024/3/10</a:t>
             </a:fld>
@@ -265,7 +265,7 @@
           <p:cNvPr id="5" name="页脚占位符 4">
             <a:extLst>
               <a:ext uri="{FF2B5EF4-FFF2-40B4-BE49-F238E27FC236}">
-                <a16:creationId xmlns:a16="http://schemas.microsoft.com/office/drawing/2014/main" id="{72D4BE31-172B-A1D3-8F03-377BC6728327}"/>
+                <a16:creationId xmlns:a16="http://schemas.microsoft.com/office/drawing/2014/main" id="{1E0C6BD2-5EC3-370A-BF7B-21F28A8FE906}"/>
               </a:ext>
             </a:extLst>
           </p:cNvPr>
@@ -290,7 +290,7 @@
           <p:cNvPr id="6" name="灯片编号占位符 5">
             <a:extLst>
               <a:ext uri="{FF2B5EF4-FFF2-40B4-BE49-F238E27FC236}">
-                <a16:creationId xmlns:a16="http://schemas.microsoft.com/office/drawing/2014/main" id="{AFD00E5B-5A40-07F7-B897-E60BBBF505D4}"/>
+                <a16:creationId xmlns:a16="http://schemas.microsoft.com/office/drawing/2014/main" id="{2B2F78C0-81FA-FC63-F87D-C2779CAA4B2A}"/>
               </a:ext>
             </a:extLst>
           </p:cNvPr>
@@ -306,7 +306,7 @@
           <a:bodyPr/>
           <a:lstStyle/>
           <a:p>
-            <a:fld id="{8E25FEE1-8D39-41A6-9126-8C4433D854E5}" type="slidenum">
+            <a:fld id="{030682BD-AD98-42FD-8D27-F732781E0A0B}" type="slidenum">
               <a:rPr lang="zh-CN" altLang="en-US" smtClean="0"/>
               <a:t>‹#›</a:t>
             </a:fld>
@@ -317,7 +317,7 @@
     </p:spTree>
     <p:extLst>
       <p:ext uri="{BB962C8B-B14F-4D97-AF65-F5344CB8AC3E}">
-        <p14:creationId xmlns:p14="http://schemas.microsoft.com/office/powerpoint/2010/main" val="4260316847"/>
+        <p14:creationId xmlns:p14="http://schemas.microsoft.com/office/powerpoint/2010/main" val="3145926077"/>
       </p:ext>
     </p:extLst>
   </p:cSld>
@@ -349,7 +349,7 @@
           <p:cNvPr id="2" name="标题 1">
             <a:extLst>
               <a:ext uri="{FF2B5EF4-FFF2-40B4-BE49-F238E27FC236}">
-                <a16:creationId xmlns:a16="http://schemas.microsoft.com/office/drawing/2014/main" id="{E6DA75A7-341D-6C7A-EE88-EA077D1EC60E}"/>
+                <a16:creationId xmlns:a16="http://schemas.microsoft.com/office/drawing/2014/main" id="{1B775B6A-5228-76D3-D954-F6031B2FC6BA}"/>
               </a:ext>
             </a:extLst>
           </p:cNvPr>
@@ -377,7 +377,7 @@
           <p:cNvPr id="3" name="竖排文字占位符 2">
             <a:extLst>
               <a:ext uri="{FF2B5EF4-FFF2-40B4-BE49-F238E27FC236}">
-                <a16:creationId xmlns:a16="http://schemas.microsoft.com/office/drawing/2014/main" id="{2D2CFF2F-16FD-6854-85A3-A56DB0644F4C}"/>
+                <a16:creationId xmlns:a16="http://schemas.microsoft.com/office/drawing/2014/main" id="{AC35C7F1-0FCF-1D8C-58CE-3C3EF1285A05}"/>
               </a:ext>
             </a:extLst>
           </p:cNvPr>
@@ -434,7 +434,7 @@
           <p:cNvPr id="4" name="日期占位符 3">
             <a:extLst>
               <a:ext uri="{FF2B5EF4-FFF2-40B4-BE49-F238E27FC236}">
-                <a16:creationId xmlns:a16="http://schemas.microsoft.com/office/drawing/2014/main" id="{45A1C98E-1D80-C0A1-A839-95D05F1A218E}"/>
+                <a16:creationId xmlns:a16="http://schemas.microsoft.com/office/drawing/2014/main" id="{18C5E8E0-D7E1-977D-08C5-F9CFCAE00471}"/>
               </a:ext>
             </a:extLst>
           </p:cNvPr>
@@ -450,7 +450,7 @@
           <a:bodyPr/>
           <a:lstStyle/>
           <a:p>
-            <a:fld id="{13D5B90F-437B-4921-9B3A-1F98147A23EE}" type="datetimeFigureOut">
+            <a:fld id="{CBDD8710-906D-4D73-BF3D-35B584857DDA}" type="datetimeFigureOut">
               <a:rPr lang="zh-CN" altLang="en-US" smtClean="0"/>
               <a:t>2024/3/10</a:t>
             </a:fld>
@@ -463,7 +463,7 @@
           <p:cNvPr id="5" name="页脚占位符 4">
             <a:extLst>
               <a:ext uri="{FF2B5EF4-FFF2-40B4-BE49-F238E27FC236}">
-                <a16:creationId xmlns:a16="http://schemas.microsoft.com/office/drawing/2014/main" id="{77DDAF8F-409B-8956-F740-20264D514FBF}"/>
+                <a16:creationId xmlns:a16="http://schemas.microsoft.com/office/drawing/2014/main" id="{CE361E89-69C9-3930-F0EB-D04988036106}"/>
               </a:ext>
             </a:extLst>
           </p:cNvPr>
@@ -488,7 +488,7 @@
           <p:cNvPr id="6" name="灯片编号占位符 5">
             <a:extLst>
               <a:ext uri="{FF2B5EF4-FFF2-40B4-BE49-F238E27FC236}">
-                <a16:creationId xmlns:a16="http://schemas.microsoft.com/office/drawing/2014/main" id="{0CFEB492-89DD-5BA5-B9F2-CADEF6382F25}"/>
+                <a16:creationId xmlns:a16="http://schemas.microsoft.com/office/drawing/2014/main" id="{A0434828-3016-4ACE-FC70-8A44A71A59A3}"/>
               </a:ext>
             </a:extLst>
           </p:cNvPr>
@@ -504,7 +504,7 @@
           <a:bodyPr/>
           <a:lstStyle/>
           <a:p>
-            <a:fld id="{8E25FEE1-8D39-41A6-9126-8C4433D854E5}" type="slidenum">
+            <a:fld id="{030682BD-AD98-42FD-8D27-F732781E0A0B}" type="slidenum">
               <a:rPr lang="zh-CN" altLang="en-US" smtClean="0"/>
               <a:t>‹#›</a:t>
             </a:fld>
@@ -515,7 +515,7 @@
     </p:spTree>
     <p:extLst>
       <p:ext uri="{BB962C8B-B14F-4D97-AF65-F5344CB8AC3E}">
-        <p14:creationId xmlns:p14="http://schemas.microsoft.com/office/powerpoint/2010/main" val="549065000"/>
+        <p14:creationId xmlns:p14="http://schemas.microsoft.com/office/powerpoint/2010/main" val="3901477699"/>
       </p:ext>
     </p:extLst>
   </p:cSld>
@@ -547,7 +547,7 @@
           <p:cNvPr id="2" name="竖排标题 1">
             <a:extLst>
               <a:ext uri="{FF2B5EF4-FFF2-40B4-BE49-F238E27FC236}">
-                <a16:creationId xmlns:a16="http://schemas.microsoft.com/office/drawing/2014/main" id="{ED059341-D277-98F8-C997-B82C1DD8C573}"/>
+                <a16:creationId xmlns:a16="http://schemas.microsoft.com/office/drawing/2014/main" id="{8CAA2F5A-3E8F-4E61-C9B1-D8F39349B25C}"/>
               </a:ext>
             </a:extLst>
           </p:cNvPr>
@@ -580,7 +580,7 @@
           <p:cNvPr id="3" name="竖排文字占位符 2">
             <a:extLst>
               <a:ext uri="{FF2B5EF4-FFF2-40B4-BE49-F238E27FC236}">
-                <a16:creationId xmlns:a16="http://schemas.microsoft.com/office/drawing/2014/main" id="{07E6AD33-58AB-E9E2-2884-46302918058B}"/>
+                <a16:creationId xmlns:a16="http://schemas.microsoft.com/office/drawing/2014/main" id="{92F6BDD0-0D16-3E16-3758-E3237A63D1B2}"/>
               </a:ext>
             </a:extLst>
           </p:cNvPr>
@@ -642,7 +642,7 @@
           <p:cNvPr id="4" name="日期占位符 3">
             <a:extLst>
               <a:ext uri="{FF2B5EF4-FFF2-40B4-BE49-F238E27FC236}">
-                <a16:creationId xmlns:a16="http://schemas.microsoft.com/office/drawing/2014/main" id="{303FE914-87E1-E8E5-BC8F-D1521AA73494}"/>
+                <a16:creationId xmlns:a16="http://schemas.microsoft.com/office/drawing/2014/main" id="{1CCD2148-A559-8387-8D6E-230EBBA055C4}"/>
               </a:ext>
             </a:extLst>
           </p:cNvPr>
@@ -658,7 +658,7 @@
           <a:bodyPr/>
           <a:lstStyle/>
           <a:p>
-            <a:fld id="{13D5B90F-437B-4921-9B3A-1F98147A23EE}" type="datetimeFigureOut">
+            <a:fld id="{CBDD8710-906D-4D73-BF3D-35B584857DDA}" type="datetimeFigureOut">
               <a:rPr lang="zh-CN" altLang="en-US" smtClean="0"/>
               <a:t>2024/3/10</a:t>
             </a:fld>
@@ -671,7 +671,7 @@
           <p:cNvPr id="5" name="页脚占位符 4">
             <a:extLst>
               <a:ext uri="{FF2B5EF4-FFF2-40B4-BE49-F238E27FC236}">
-                <a16:creationId xmlns:a16="http://schemas.microsoft.com/office/drawing/2014/main" id="{983023E0-FCB9-E984-21C5-FFA872C78B8C}"/>
+                <a16:creationId xmlns:a16="http://schemas.microsoft.com/office/drawing/2014/main" id="{D8D15B11-0CAC-E5E2-E6EF-65CDB34D038B}"/>
               </a:ext>
             </a:extLst>
           </p:cNvPr>
@@ -696,7 +696,7 @@
           <p:cNvPr id="6" name="灯片编号占位符 5">
             <a:extLst>
               <a:ext uri="{FF2B5EF4-FFF2-40B4-BE49-F238E27FC236}">
-                <a16:creationId xmlns:a16="http://schemas.microsoft.com/office/drawing/2014/main" id="{28121F3F-211A-7FC1-3A6A-2BC1F1448954}"/>
+                <a16:creationId xmlns:a16="http://schemas.microsoft.com/office/drawing/2014/main" id="{8B214137-4219-92AB-2D25-B807A5B550F1}"/>
               </a:ext>
             </a:extLst>
           </p:cNvPr>
@@ -712,7 +712,7 @@
           <a:bodyPr/>
           <a:lstStyle/>
           <a:p>
-            <a:fld id="{8E25FEE1-8D39-41A6-9126-8C4433D854E5}" type="slidenum">
+            <a:fld id="{030682BD-AD98-42FD-8D27-F732781E0A0B}" type="slidenum">
               <a:rPr lang="zh-CN" altLang="en-US" smtClean="0"/>
               <a:t>‹#›</a:t>
             </a:fld>
@@ -723,7 +723,7 @@
     </p:spTree>
     <p:extLst>
       <p:ext uri="{BB962C8B-B14F-4D97-AF65-F5344CB8AC3E}">
-        <p14:creationId xmlns:p14="http://schemas.microsoft.com/office/powerpoint/2010/main" val="3964154912"/>
+        <p14:creationId xmlns:p14="http://schemas.microsoft.com/office/powerpoint/2010/main" val="3597665661"/>
       </p:ext>
     </p:extLst>
   </p:cSld>
@@ -755,7 +755,7 @@
           <p:cNvPr id="2" name="标题 1">
             <a:extLst>
               <a:ext uri="{FF2B5EF4-FFF2-40B4-BE49-F238E27FC236}">
-                <a16:creationId xmlns:a16="http://schemas.microsoft.com/office/drawing/2014/main" id="{B939533F-6041-B69A-B099-55D592B6BE43}"/>
+                <a16:creationId xmlns:a16="http://schemas.microsoft.com/office/drawing/2014/main" id="{F863FF7C-8752-DA7F-85B6-981364B2DCBD}"/>
               </a:ext>
             </a:extLst>
           </p:cNvPr>
@@ -783,7 +783,7 @@
           <p:cNvPr id="3" name="内容占位符 2">
             <a:extLst>
               <a:ext uri="{FF2B5EF4-FFF2-40B4-BE49-F238E27FC236}">
-                <a16:creationId xmlns:a16="http://schemas.microsoft.com/office/drawing/2014/main" id="{D39CB1CE-9C31-52C3-BE25-8BCD2D576BD6}"/>
+                <a16:creationId xmlns:a16="http://schemas.microsoft.com/office/drawing/2014/main" id="{B1F3F584-36FE-3C92-5032-5260F8770B72}"/>
               </a:ext>
             </a:extLst>
           </p:cNvPr>
@@ -840,7 +840,7 @@
           <p:cNvPr id="4" name="日期占位符 3">
             <a:extLst>
               <a:ext uri="{FF2B5EF4-FFF2-40B4-BE49-F238E27FC236}">
-                <a16:creationId xmlns:a16="http://schemas.microsoft.com/office/drawing/2014/main" id="{18CD7C8D-C1A8-19E9-3941-093EE8206E98}"/>
+                <a16:creationId xmlns:a16="http://schemas.microsoft.com/office/drawing/2014/main" id="{E24FE50B-CB4E-6ADA-2767-DEB0CE04A032}"/>
               </a:ext>
             </a:extLst>
           </p:cNvPr>
@@ -856,7 +856,7 @@
           <a:bodyPr/>
           <a:lstStyle/>
           <a:p>
-            <a:fld id="{13D5B90F-437B-4921-9B3A-1F98147A23EE}" type="datetimeFigureOut">
+            <a:fld id="{CBDD8710-906D-4D73-BF3D-35B584857DDA}" type="datetimeFigureOut">
               <a:rPr lang="zh-CN" altLang="en-US" smtClean="0"/>
               <a:t>2024/3/10</a:t>
             </a:fld>
@@ -869,7 +869,7 @@
           <p:cNvPr id="5" name="页脚占位符 4">
             <a:extLst>
               <a:ext uri="{FF2B5EF4-FFF2-40B4-BE49-F238E27FC236}">
-                <a16:creationId xmlns:a16="http://schemas.microsoft.com/office/drawing/2014/main" id="{B163ED44-8BCE-2471-CB76-A8ADF7D3C23C}"/>
+                <a16:creationId xmlns:a16="http://schemas.microsoft.com/office/drawing/2014/main" id="{95A3B2EB-100A-E889-A7BA-C90F6177545E}"/>
               </a:ext>
             </a:extLst>
           </p:cNvPr>
@@ -894,7 +894,7 @@
           <p:cNvPr id="6" name="灯片编号占位符 5">
             <a:extLst>
               <a:ext uri="{FF2B5EF4-FFF2-40B4-BE49-F238E27FC236}">
-                <a16:creationId xmlns:a16="http://schemas.microsoft.com/office/drawing/2014/main" id="{10BBE2FF-3573-A84F-A3F0-4649B9954D06}"/>
+                <a16:creationId xmlns:a16="http://schemas.microsoft.com/office/drawing/2014/main" id="{64E89B3E-E972-4E56-B5F1-5F9FCEB68B29}"/>
               </a:ext>
             </a:extLst>
           </p:cNvPr>
@@ -910,7 +910,7 @@
           <a:bodyPr/>
           <a:lstStyle/>
           <a:p>
-            <a:fld id="{8E25FEE1-8D39-41A6-9126-8C4433D854E5}" type="slidenum">
+            <a:fld id="{030682BD-AD98-42FD-8D27-F732781E0A0B}" type="slidenum">
               <a:rPr lang="zh-CN" altLang="en-US" smtClean="0"/>
               <a:t>‹#›</a:t>
             </a:fld>
@@ -921,7 +921,7 @@
     </p:spTree>
     <p:extLst>
       <p:ext uri="{BB962C8B-B14F-4D97-AF65-F5344CB8AC3E}">
-        <p14:creationId xmlns:p14="http://schemas.microsoft.com/office/powerpoint/2010/main" val="4009411532"/>
+        <p14:creationId xmlns:p14="http://schemas.microsoft.com/office/powerpoint/2010/main" val="1235655098"/>
       </p:ext>
     </p:extLst>
   </p:cSld>
@@ -953,7 +953,7 @@
           <p:cNvPr id="2" name="标题 1">
             <a:extLst>
               <a:ext uri="{FF2B5EF4-FFF2-40B4-BE49-F238E27FC236}">
-                <a16:creationId xmlns:a16="http://schemas.microsoft.com/office/drawing/2014/main" id="{95199A18-F600-3929-1A5A-615B9935576C}"/>
+                <a16:creationId xmlns:a16="http://schemas.microsoft.com/office/drawing/2014/main" id="{B7842679-459F-DE06-3673-B51D006C988A}"/>
               </a:ext>
             </a:extLst>
           </p:cNvPr>
@@ -990,7 +990,7 @@
           <p:cNvPr id="3" name="文本占位符 2">
             <a:extLst>
               <a:ext uri="{FF2B5EF4-FFF2-40B4-BE49-F238E27FC236}">
-                <a16:creationId xmlns:a16="http://schemas.microsoft.com/office/drawing/2014/main" id="{BB927A81-06DF-7578-4FF3-F22FE682AC18}"/>
+                <a16:creationId xmlns:a16="http://schemas.microsoft.com/office/drawing/2014/main" id="{19BA2A99-48B0-BE94-0EEE-4BDB52AB2AB0}"/>
               </a:ext>
             </a:extLst>
           </p:cNvPr>
@@ -1115,7 +1115,7 @@
           <p:cNvPr id="4" name="日期占位符 3">
             <a:extLst>
               <a:ext uri="{FF2B5EF4-FFF2-40B4-BE49-F238E27FC236}">
-                <a16:creationId xmlns:a16="http://schemas.microsoft.com/office/drawing/2014/main" id="{D8E80306-863C-A8CB-1345-8AED29146181}"/>
+                <a16:creationId xmlns:a16="http://schemas.microsoft.com/office/drawing/2014/main" id="{F7AF8BCE-FE48-04DD-1321-4C9FEE5577B2}"/>
               </a:ext>
             </a:extLst>
           </p:cNvPr>
@@ -1131,7 +1131,7 @@
           <a:bodyPr/>
           <a:lstStyle/>
           <a:p>
-            <a:fld id="{13D5B90F-437B-4921-9B3A-1F98147A23EE}" type="datetimeFigureOut">
+            <a:fld id="{CBDD8710-906D-4D73-BF3D-35B584857DDA}" type="datetimeFigureOut">
               <a:rPr lang="zh-CN" altLang="en-US" smtClean="0"/>
               <a:t>2024/3/10</a:t>
             </a:fld>
@@ -1144,7 +1144,7 @@
           <p:cNvPr id="5" name="页脚占位符 4">
             <a:extLst>
               <a:ext uri="{FF2B5EF4-FFF2-40B4-BE49-F238E27FC236}">
-                <a16:creationId xmlns:a16="http://schemas.microsoft.com/office/drawing/2014/main" id="{DFE768E1-8A3D-067B-1D04-AED09C9E53DC}"/>
+                <a16:creationId xmlns:a16="http://schemas.microsoft.com/office/drawing/2014/main" id="{75F4D0F6-4122-088C-431A-97DEE8CD3FBF}"/>
               </a:ext>
             </a:extLst>
           </p:cNvPr>
@@ -1169,7 +1169,7 @@
           <p:cNvPr id="6" name="灯片编号占位符 5">
             <a:extLst>
               <a:ext uri="{FF2B5EF4-FFF2-40B4-BE49-F238E27FC236}">
-                <a16:creationId xmlns:a16="http://schemas.microsoft.com/office/drawing/2014/main" id="{26BE03AF-BE10-B1DA-DE21-6B64372C59CD}"/>
+                <a16:creationId xmlns:a16="http://schemas.microsoft.com/office/drawing/2014/main" id="{5A0D7B0E-906A-836D-DE47-AD4FCF799864}"/>
               </a:ext>
             </a:extLst>
           </p:cNvPr>
@@ -1185,7 +1185,7 @@
           <a:bodyPr/>
           <a:lstStyle/>
           <a:p>
-            <a:fld id="{8E25FEE1-8D39-41A6-9126-8C4433D854E5}" type="slidenum">
+            <a:fld id="{030682BD-AD98-42FD-8D27-F732781E0A0B}" type="slidenum">
               <a:rPr lang="zh-CN" altLang="en-US" smtClean="0"/>
               <a:t>‹#›</a:t>
             </a:fld>
@@ -1196,7 +1196,7 @@
     </p:spTree>
     <p:extLst>
       <p:ext uri="{BB962C8B-B14F-4D97-AF65-F5344CB8AC3E}">
-        <p14:creationId xmlns:p14="http://schemas.microsoft.com/office/powerpoint/2010/main" val="512568782"/>
+        <p14:creationId xmlns:p14="http://schemas.microsoft.com/office/powerpoint/2010/main" val="494793208"/>
       </p:ext>
     </p:extLst>
   </p:cSld>
@@ -1228,7 +1228,7 @@
           <p:cNvPr id="2" name="标题 1">
             <a:extLst>
               <a:ext uri="{FF2B5EF4-FFF2-40B4-BE49-F238E27FC236}">
-                <a16:creationId xmlns:a16="http://schemas.microsoft.com/office/drawing/2014/main" id="{5166298B-5D0A-7314-F1B2-1F2749E1ABF0}"/>
+                <a16:creationId xmlns:a16="http://schemas.microsoft.com/office/drawing/2014/main" id="{A4BD1F5F-C9C9-DA82-0918-A5E616D00276}"/>
               </a:ext>
             </a:extLst>
           </p:cNvPr>
@@ -1256,7 +1256,7 @@
           <p:cNvPr id="3" name="内容占位符 2">
             <a:extLst>
               <a:ext uri="{FF2B5EF4-FFF2-40B4-BE49-F238E27FC236}">
-                <a16:creationId xmlns:a16="http://schemas.microsoft.com/office/drawing/2014/main" id="{1F037329-F124-867B-D1E5-1A1A454B704C}"/>
+                <a16:creationId xmlns:a16="http://schemas.microsoft.com/office/drawing/2014/main" id="{579E8C2F-4C2B-5996-56C9-F2BFCEDFF5EA}"/>
               </a:ext>
             </a:extLst>
           </p:cNvPr>
@@ -1318,7 +1318,7 @@
           <p:cNvPr id="4" name="内容占位符 3">
             <a:extLst>
               <a:ext uri="{FF2B5EF4-FFF2-40B4-BE49-F238E27FC236}">
-                <a16:creationId xmlns:a16="http://schemas.microsoft.com/office/drawing/2014/main" id="{F65FCB89-BFE8-B300-0D3B-C96B853F0960}"/>
+                <a16:creationId xmlns:a16="http://schemas.microsoft.com/office/drawing/2014/main" id="{6DF3E7D7-EDDC-DA56-5193-732789B5B1A1}"/>
               </a:ext>
             </a:extLst>
           </p:cNvPr>
@@ -1380,7 +1380,7 @@
           <p:cNvPr id="5" name="日期占位符 4">
             <a:extLst>
               <a:ext uri="{FF2B5EF4-FFF2-40B4-BE49-F238E27FC236}">
-                <a16:creationId xmlns:a16="http://schemas.microsoft.com/office/drawing/2014/main" id="{1B0B8842-0899-3FE3-CE41-1476D1A16822}"/>
+                <a16:creationId xmlns:a16="http://schemas.microsoft.com/office/drawing/2014/main" id="{2ED0735B-3C37-3F9F-3329-CAD519FBDB80}"/>
               </a:ext>
             </a:extLst>
           </p:cNvPr>
@@ -1396,7 +1396,7 @@
           <a:bodyPr/>
           <a:lstStyle/>
           <a:p>
-            <a:fld id="{13D5B90F-437B-4921-9B3A-1F98147A23EE}" type="datetimeFigureOut">
+            <a:fld id="{CBDD8710-906D-4D73-BF3D-35B584857DDA}" type="datetimeFigureOut">
               <a:rPr lang="zh-CN" altLang="en-US" smtClean="0"/>
               <a:t>2024/3/10</a:t>
             </a:fld>
@@ -1409,7 +1409,7 @@
           <p:cNvPr id="6" name="页脚占位符 5">
             <a:extLst>
               <a:ext uri="{FF2B5EF4-FFF2-40B4-BE49-F238E27FC236}">
-                <a16:creationId xmlns:a16="http://schemas.microsoft.com/office/drawing/2014/main" id="{7C36810C-3A68-BE19-0E07-A6918DE6F7F8}"/>
+                <a16:creationId xmlns:a16="http://schemas.microsoft.com/office/drawing/2014/main" id="{7765D772-EA1E-4606-6AA0-51C2E81EF34E}"/>
               </a:ext>
             </a:extLst>
           </p:cNvPr>
@@ -1434,7 +1434,7 @@
           <p:cNvPr id="7" name="灯片编号占位符 6">
             <a:extLst>
               <a:ext uri="{FF2B5EF4-FFF2-40B4-BE49-F238E27FC236}">
-                <a16:creationId xmlns:a16="http://schemas.microsoft.com/office/drawing/2014/main" id="{97198DD2-CC70-BA83-B70D-81A28D7600B0}"/>
+                <a16:creationId xmlns:a16="http://schemas.microsoft.com/office/drawing/2014/main" id="{2B882E1C-F4C1-AECD-9BA6-427F98D4D688}"/>
               </a:ext>
             </a:extLst>
           </p:cNvPr>
@@ -1450,7 +1450,7 @@
           <a:bodyPr/>
           <a:lstStyle/>
           <a:p>
-            <a:fld id="{8E25FEE1-8D39-41A6-9126-8C4433D854E5}" type="slidenum">
+            <a:fld id="{030682BD-AD98-42FD-8D27-F732781E0A0B}" type="slidenum">
               <a:rPr lang="zh-CN" altLang="en-US" smtClean="0"/>
               <a:t>‹#›</a:t>
             </a:fld>
@@ -1461,7 +1461,7 @@
     </p:spTree>
     <p:extLst>
       <p:ext uri="{BB962C8B-B14F-4D97-AF65-F5344CB8AC3E}">
-        <p14:creationId xmlns:p14="http://schemas.microsoft.com/office/powerpoint/2010/main" val="1104589130"/>
+        <p14:creationId xmlns:p14="http://schemas.microsoft.com/office/powerpoint/2010/main" val="2575436942"/>
       </p:ext>
     </p:extLst>
   </p:cSld>
@@ -1493,7 +1493,7 @@
           <p:cNvPr id="2" name="标题 1">
             <a:extLst>
               <a:ext uri="{FF2B5EF4-FFF2-40B4-BE49-F238E27FC236}">
-                <a16:creationId xmlns:a16="http://schemas.microsoft.com/office/drawing/2014/main" id="{0E42F701-9500-8737-44F8-308FA934D21B}"/>
+                <a16:creationId xmlns:a16="http://schemas.microsoft.com/office/drawing/2014/main" id="{7E6CB212-12BC-7DE0-7E72-19A8542C2F04}"/>
               </a:ext>
             </a:extLst>
           </p:cNvPr>
@@ -1526,7 +1526,7 @@
           <p:cNvPr id="3" name="文本占位符 2">
             <a:extLst>
               <a:ext uri="{FF2B5EF4-FFF2-40B4-BE49-F238E27FC236}">
-                <a16:creationId xmlns:a16="http://schemas.microsoft.com/office/drawing/2014/main" id="{2DC1A037-2553-B47B-271A-9B034AEB415B}"/>
+                <a16:creationId xmlns:a16="http://schemas.microsoft.com/office/drawing/2014/main" id="{E8C1A362-1E49-4413-6524-42217FD1FF28}"/>
               </a:ext>
             </a:extLst>
           </p:cNvPr>
@@ -1597,7 +1597,7 @@
           <p:cNvPr id="4" name="内容占位符 3">
             <a:extLst>
               <a:ext uri="{FF2B5EF4-FFF2-40B4-BE49-F238E27FC236}">
-                <a16:creationId xmlns:a16="http://schemas.microsoft.com/office/drawing/2014/main" id="{BD0B0F3E-05C7-C8E1-1F2C-85887B401FC9}"/>
+                <a16:creationId xmlns:a16="http://schemas.microsoft.com/office/drawing/2014/main" id="{A264AABB-6C27-3AB1-4378-2582FD6D113A}"/>
               </a:ext>
             </a:extLst>
           </p:cNvPr>
@@ -1659,7 +1659,7 @@
           <p:cNvPr id="5" name="文本占位符 4">
             <a:extLst>
               <a:ext uri="{FF2B5EF4-FFF2-40B4-BE49-F238E27FC236}">
-                <a16:creationId xmlns:a16="http://schemas.microsoft.com/office/drawing/2014/main" id="{1A69D9E1-9613-9D81-B3A4-051F3EB1F161}"/>
+                <a16:creationId xmlns:a16="http://schemas.microsoft.com/office/drawing/2014/main" id="{6FBE4661-9F68-C6A7-7EF9-22C2F161B45D}"/>
               </a:ext>
             </a:extLst>
           </p:cNvPr>
@@ -1730,7 +1730,7 @@
           <p:cNvPr id="6" name="内容占位符 5">
             <a:extLst>
               <a:ext uri="{FF2B5EF4-FFF2-40B4-BE49-F238E27FC236}">
-                <a16:creationId xmlns:a16="http://schemas.microsoft.com/office/drawing/2014/main" id="{F5BFD41E-1387-301B-D876-7B0A9383982B}"/>
+                <a16:creationId xmlns:a16="http://schemas.microsoft.com/office/drawing/2014/main" id="{677F8560-31FB-4455-CB35-5705EF676898}"/>
               </a:ext>
             </a:extLst>
           </p:cNvPr>
@@ -1792,7 +1792,7 @@
           <p:cNvPr id="7" name="日期占位符 6">
             <a:extLst>
               <a:ext uri="{FF2B5EF4-FFF2-40B4-BE49-F238E27FC236}">
-                <a16:creationId xmlns:a16="http://schemas.microsoft.com/office/drawing/2014/main" id="{47BBC8FB-5C62-1CCD-2C89-A085AFE960EE}"/>
+                <a16:creationId xmlns:a16="http://schemas.microsoft.com/office/drawing/2014/main" id="{2A154407-ACF3-1556-F0B9-F0DA161F8187}"/>
               </a:ext>
             </a:extLst>
           </p:cNvPr>
@@ -1808,7 +1808,7 @@
           <a:bodyPr/>
           <a:lstStyle/>
           <a:p>
-            <a:fld id="{13D5B90F-437B-4921-9B3A-1F98147A23EE}" type="datetimeFigureOut">
+            <a:fld id="{CBDD8710-906D-4D73-BF3D-35B584857DDA}" type="datetimeFigureOut">
               <a:rPr lang="zh-CN" altLang="en-US" smtClean="0"/>
               <a:t>2024/3/10</a:t>
             </a:fld>
@@ -1821,7 +1821,7 @@
           <p:cNvPr id="8" name="页脚占位符 7">
             <a:extLst>
               <a:ext uri="{FF2B5EF4-FFF2-40B4-BE49-F238E27FC236}">
-                <a16:creationId xmlns:a16="http://schemas.microsoft.com/office/drawing/2014/main" id="{F58FB51E-4062-FFD3-07F3-8D7839B3AE1B}"/>
+                <a16:creationId xmlns:a16="http://schemas.microsoft.com/office/drawing/2014/main" id="{47EB6E83-1AE9-13FD-7751-CB809F70E0C7}"/>
               </a:ext>
             </a:extLst>
           </p:cNvPr>
@@ -1846,7 +1846,7 @@
           <p:cNvPr id="9" name="灯片编号占位符 8">
             <a:extLst>
               <a:ext uri="{FF2B5EF4-FFF2-40B4-BE49-F238E27FC236}">
-                <a16:creationId xmlns:a16="http://schemas.microsoft.com/office/drawing/2014/main" id="{75949F9C-FAF9-D905-3BA4-800BF0C18EBD}"/>
+                <a16:creationId xmlns:a16="http://schemas.microsoft.com/office/drawing/2014/main" id="{0FB6B1C5-12A7-36BA-D17F-2BCCEC88F421}"/>
               </a:ext>
             </a:extLst>
           </p:cNvPr>
@@ -1862,7 +1862,7 @@
           <a:bodyPr/>
           <a:lstStyle/>
           <a:p>
-            <a:fld id="{8E25FEE1-8D39-41A6-9126-8C4433D854E5}" type="slidenum">
+            <a:fld id="{030682BD-AD98-42FD-8D27-F732781E0A0B}" type="slidenum">
               <a:rPr lang="zh-CN" altLang="en-US" smtClean="0"/>
               <a:t>‹#›</a:t>
             </a:fld>
@@ -1873,7 +1873,7 @@
     </p:spTree>
     <p:extLst>
       <p:ext uri="{BB962C8B-B14F-4D97-AF65-F5344CB8AC3E}">
-        <p14:creationId xmlns:p14="http://schemas.microsoft.com/office/powerpoint/2010/main" val="2855225749"/>
+        <p14:creationId xmlns:p14="http://schemas.microsoft.com/office/powerpoint/2010/main" val="1205369690"/>
       </p:ext>
     </p:extLst>
   </p:cSld>
@@ -1905,7 +1905,7 @@
           <p:cNvPr id="2" name="标题 1">
             <a:extLst>
               <a:ext uri="{FF2B5EF4-FFF2-40B4-BE49-F238E27FC236}">
-                <a16:creationId xmlns:a16="http://schemas.microsoft.com/office/drawing/2014/main" id="{DF7CF950-A9DF-F08D-FF1E-6C06E59A8EDC}"/>
+                <a16:creationId xmlns:a16="http://schemas.microsoft.com/office/drawing/2014/main" id="{71721FED-F8DB-9B1F-0AF8-F2DE0FBF1CB7}"/>
               </a:ext>
             </a:extLst>
           </p:cNvPr>
@@ -1933,7 +1933,7 @@
           <p:cNvPr id="3" name="日期占位符 2">
             <a:extLst>
               <a:ext uri="{FF2B5EF4-FFF2-40B4-BE49-F238E27FC236}">
-                <a16:creationId xmlns:a16="http://schemas.microsoft.com/office/drawing/2014/main" id="{86144905-456E-11E4-BB5F-47B0C6ADA707}"/>
+                <a16:creationId xmlns:a16="http://schemas.microsoft.com/office/drawing/2014/main" id="{513B4994-A05E-B508-12C0-D572AD68ABB1}"/>
               </a:ext>
             </a:extLst>
           </p:cNvPr>
@@ -1949,7 +1949,7 @@
           <a:bodyPr/>
           <a:lstStyle/>
           <a:p>
-            <a:fld id="{13D5B90F-437B-4921-9B3A-1F98147A23EE}" type="datetimeFigureOut">
+            <a:fld id="{CBDD8710-906D-4D73-BF3D-35B584857DDA}" type="datetimeFigureOut">
               <a:rPr lang="zh-CN" altLang="en-US" smtClean="0"/>
               <a:t>2024/3/10</a:t>
             </a:fld>
@@ -1962,7 +1962,7 @@
           <p:cNvPr id="4" name="页脚占位符 3">
             <a:extLst>
               <a:ext uri="{FF2B5EF4-FFF2-40B4-BE49-F238E27FC236}">
-                <a16:creationId xmlns:a16="http://schemas.microsoft.com/office/drawing/2014/main" id="{D445C54D-0FC7-1215-5A8F-E763C64641F2}"/>
+                <a16:creationId xmlns:a16="http://schemas.microsoft.com/office/drawing/2014/main" id="{10C7A7C7-7593-48B4-99AF-3C61807DCD98}"/>
               </a:ext>
             </a:extLst>
           </p:cNvPr>
@@ -1987,7 +1987,7 @@
           <p:cNvPr id="5" name="灯片编号占位符 4">
             <a:extLst>
               <a:ext uri="{FF2B5EF4-FFF2-40B4-BE49-F238E27FC236}">
-                <a16:creationId xmlns:a16="http://schemas.microsoft.com/office/drawing/2014/main" id="{2059845E-A966-E2D9-E27F-A9809E7E1710}"/>
+                <a16:creationId xmlns:a16="http://schemas.microsoft.com/office/drawing/2014/main" id="{7C3AEB36-E8CA-9C4A-6133-C47D3BB5C664}"/>
               </a:ext>
             </a:extLst>
           </p:cNvPr>
@@ -2003,7 +2003,7 @@
           <a:bodyPr/>
           <a:lstStyle/>
           <a:p>
-            <a:fld id="{8E25FEE1-8D39-41A6-9126-8C4433D854E5}" type="slidenum">
+            <a:fld id="{030682BD-AD98-42FD-8D27-F732781E0A0B}" type="slidenum">
               <a:rPr lang="zh-CN" altLang="en-US" smtClean="0"/>
               <a:t>‹#›</a:t>
             </a:fld>
@@ -2014,7 +2014,7 @@
     </p:spTree>
     <p:extLst>
       <p:ext uri="{BB962C8B-B14F-4D97-AF65-F5344CB8AC3E}">
-        <p14:creationId xmlns:p14="http://schemas.microsoft.com/office/powerpoint/2010/main" val="946926505"/>
+        <p14:creationId xmlns:p14="http://schemas.microsoft.com/office/powerpoint/2010/main" val="4236957776"/>
       </p:ext>
     </p:extLst>
   </p:cSld>
@@ -2046,7 +2046,7 @@
           <p:cNvPr id="2" name="日期占位符 1">
             <a:extLst>
               <a:ext uri="{FF2B5EF4-FFF2-40B4-BE49-F238E27FC236}">
-                <a16:creationId xmlns:a16="http://schemas.microsoft.com/office/drawing/2014/main" id="{8524A87D-3CBA-CA17-F584-D07FFD308007}"/>
+                <a16:creationId xmlns:a16="http://schemas.microsoft.com/office/drawing/2014/main" id="{E6A4D6AA-F5D2-7404-4D94-0F43A79EB7C5}"/>
               </a:ext>
             </a:extLst>
           </p:cNvPr>
@@ -2062,7 +2062,7 @@
           <a:bodyPr/>
           <a:lstStyle/>
           <a:p>
-            <a:fld id="{13D5B90F-437B-4921-9B3A-1F98147A23EE}" type="datetimeFigureOut">
+            <a:fld id="{CBDD8710-906D-4D73-BF3D-35B584857DDA}" type="datetimeFigureOut">
               <a:rPr lang="zh-CN" altLang="en-US" smtClean="0"/>
               <a:t>2024/3/10</a:t>
             </a:fld>
@@ -2075,7 +2075,7 @@
           <p:cNvPr id="3" name="页脚占位符 2">
             <a:extLst>
               <a:ext uri="{FF2B5EF4-FFF2-40B4-BE49-F238E27FC236}">
-                <a16:creationId xmlns:a16="http://schemas.microsoft.com/office/drawing/2014/main" id="{1D163B96-9E7D-1536-4EA3-DE5F00870D11}"/>
+                <a16:creationId xmlns:a16="http://schemas.microsoft.com/office/drawing/2014/main" id="{D964B61A-6098-F56A-22A4-77843F00E0B8}"/>
               </a:ext>
             </a:extLst>
           </p:cNvPr>
@@ -2100,7 +2100,7 @@
           <p:cNvPr id="4" name="灯片编号占位符 3">
             <a:extLst>
               <a:ext uri="{FF2B5EF4-FFF2-40B4-BE49-F238E27FC236}">
-                <a16:creationId xmlns:a16="http://schemas.microsoft.com/office/drawing/2014/main" id="{01631412-00C0-1F8E-E82B-5BDDA1E65610}"/>
+                <a16:creationId xmlns:a16="http://schemas.microsoft.com/office/drawing/2014/main" id="{3DA27416-67DF-A3DA-84BF-A7FD715FF3BA}"/>
               </a:ext>
             </a:extLst>
           </p:cNvPr>
@@ -2116,7 +2116,7 @@
           <a:bodyPr/>
           <a:lstStyle/>
           <a:p>
-            <a:fld id="{8E25FEE1-8D39-41A6-9126-8C4433D854E5}" type="slidenum">
+            <a:fld id="{030682BD-AD98-42FD-8D27-F732781E0A0B}" type="slidenum">
               <a:rPr lang="zh-CN" altLang="en-US" smtClean="0"/>
               <a:t>‹#›</a:t>
             </a:fld>
@@ -2127,7 +2127,7 @@
     </p:spTree>
     <p:extLst>
       <p:ext uri="{BB962C8B-B14F-4D97-AF65-F5344CB8AC3E}">
-        <p14:creationId xmlns:p14="http://schemas.microsoft.com/office/powerpoint/2010/main" val="1734297377"/>
+        <p14:creationId xmlns:p14="http://schemas.microsoft.com/office/powerpoint/2010/main" val="4275363873"/>
       </p:ext>
     </p:extLst>
   </p:cSld>
@@ -2159,7 +2159,7 @@
           <p:cNvPr id="2" name="标题 1">
             <a:extLst>
               <a:ext uri="{FF2B5EF4-FFF2-40B4-BE49-F238E27FC236}">
-                <a16:creationId xmlns:a16="http://schemas.microsoft.com/office/drawing/2014/main" id="{444C9C89-B3E7-74EF-2F06-C0E171FA8657}"/>
+                <a16:creationId xmlns:a16="http://schemas.microsoft.com/office/drawing/2014/main" id="{375781C8-C73E-36F6-3969-E527D2247131}"/>
               </a:ext>
             </a:extLst>
           </p:cNvPr>
@@ -2196,7 +2196,7 @@
           <p:cNvPr id="3" name="内容占位符 2">
             <a:extLst>
               <a:ext uri="{FF2B5EF4-FFF2-40B4-BE49-F238E27FC236}">
-                <a16:creationId xmlns:a16="http://schemas.microsoft.com/office/drawing/2014/main" id="{2D823C6F-7A7B-7D04-A64A-65C720A94F36}"/>
+                <a16:creationId xmlns:a16="http://schemas.microsoft.com/office/drawing/2014/main" id="{602ADD68-02C2-7934-5151-D84511B4DCC2}"/>
               </a:ext>
             </a:extLst>
           </p:cNvPr>
@@ -2286,7 +2286,7 @@
           <p:cNvPr id="4" name="文本占位符 3">
             <a:extLst>
               <a:ext uri="{FF2B5EF4-FFF2-40B4-BE49-F238E27FC236}">
-                <a16:creationId xmlns:a16="http://schemas.microsoft.com/office/drawing/2014/main" id="{0D1C707A-C026-9D7D-D718-32FCE5EFB276}"/>
+                <a16:creationId xmlns:a16="http://schemas.microsoft.com/office/drawing/2014/main" id="{E6552A5F-7018-7A69-BF3A-D68864BC11EB}"/>
               </a:ext>
             </a:extLst>
           </p:cNvPr>
@@ -2357,7 +2357,7 @@
           <p:cNvPr id="5" name="日期占位符 4">
             <a:extLst>
               <a:ext uri="{FF2B5EF4-FFF2-40B4-BE49-F238E27FC236}">
-                <a16:creationId xmlns:a16="http://schemas.microsoft.com/office/drawing/2014/main" id="{0AFC1F4B-284B-8FDF-6E2F-3694680BC6EF}"/>
+                <a16:creationId xmlns:a16="http://schemas.microsoft.com/office/drawing/2014/main" id="{C531BC8F-3FC0-D4CC-6E28-CEF9F7F35951}"/>
               </a:ext>
             </a:extLst>
           </p:cNvPr>
@@ -2373,7 +2373,7 @@
           <a:bodyPr/>
           <a:lstStyle/>
           <a:p>
-            <a:fld id="{13D5B90F-437B-4921-9B3A-1F98147A23EE}" type="datetimeFigureOut">
+            <a:fld id="{CBDD8710-906D-4D73-BF3D-35B584857DDA}" type="datetimeFigureOut">
               <a:rPr lang="zh-CN" altLang="en-US" smtClean="0"/>
               <a:t>2024/3/10</a:t>
             </a:fld>
@@ -2386,7 +2386,7 @@
           <p:cNvPr id="6" name="页脚占位符 5">
             <a:extLst>
               <a:ext uri="{FF2B5EF4-FFF2-40B4-BE49-F238E27FC236}">
-                <a16:creationId xmlns:a16="http://schemas.microsoft.com/office/drawing/2014/main" id="{9851CD89-EDC6-3D3C-9816-788A83597B8B}"/>
+                <a16:creationId xmlns:a16="http://schemas.microsoft.com/office/drawing/2014/main" id="{CDD4B216-AFBA-8883-7758-61822B48C368}"/>
               </a:ext>
             </a:extLst>
           </p:cNvPr>
@@ -2411,7 +2411,7 @@
           <p:cNvPr id="7" name="灯片编号占位符 6">
             <a:extLst>
               <a:ext uri="{FF2B5EF4-FFF2-40B4-BE49-F238E27FC236}">
-                <a16:creationId xmlns:a16="http://schemas.microsoft.com/office/drawing/2014/main" id="{DF6B3D70-FDA1-3314-596A-03B505DCC900}"/>
+                <a16:creationId xmlns:a16="http://schemas.microsoft.com/office/drawing/2014/main" id="{C9905A69-B6D0-69E1-EE41-38FFA944F4AF}"/>
               </a:ext>
             </a:extLst>
           </p:cNvPr>
@@ -2427,7 +2427,7 @@
           <a:bodyPr/>
           <a:lstStyle/>
           <a:p>
-            <a:fld id="{8E25FEE1-8D39-41A6-9126-8C4433D854E5}" type="slidenum">
+            <a:fld id="{030682BD-AD98-42FD-8D27-F732781E0A0B}" type="slidenum">
               <a:rPr lang="zh-CN" altLang="en-US" smtClean="0"/>
               <a:t>‹#›</a:t>
             </a:fld>
@@ -2438,7 +2438,7 @@
     </p:spTree>
     <p:extLst>
       <p:ext uri="{BB962C8B-B14F-4D97-AF65-F5344CB8AC3E}">
-        <p14:creationId xmlns:p14="http://schemas.microsoft.com/office/powerpoint/2010/main" val="3390145594"/>
+        <p14:creationId xmlns:p14="http://schemas.microsoft.com/office/powerpoint/2010/main" val="3757316277"/>
       </p:ext>
     </p:extLst>
   </p:cSld>
@@ -2470,7 +2470,7 @@
           <p:cNvPr id="2" name="标题 1">
             <a:extLst>
               <a:ext uri="{FF2B5EF4-FFF2-40B4-BE49-F238E27FC236}">
-                <a16:creationId xmlns:a16="http://schemas.microsoft.com/office/drawing/2014/main" id="{8F18651A-1D84-AD84-ED92-7839D35D03A9}"/>
+                <a16:creationId xmlns:a16="http://schemas.microsoft.com/office/drawing/2014/main" id="{234A7A08-CDD2-90D5-BA12-AFB40286D053}"/>
               </a:ext>
             </a:extLst>
           </p:cNvPr>
@@ -2507,7 +2507,7 @@
           <p:cNvPr id="3" name="图片占位符 2">
             <a:extLst>
               <a:ext uri="{FF2B5EF4-FFF2-40B4-BE49-F238E27FC236}">
-                <a16:creationId xmlns:a16="http://schemas.microsoft.com/office/drawing/2014/main" id="{CA74BD3F-4879-E879-B313-A47BF7722D9D}"/>
+                <a16:creationId xmlns:a16="http://schemas.microsoft.com/office/drawing/2014/main" id="{B88E12A3-9C2B-11AE-D7B0-566497099AC4}"/>
               </a:ext>
             </a:extLst>
           </p:cNvPr>
@@ -2574,7 +2574,7 @@
           <p:cNvPr id="4" name="文本占位符 3">
             <a:extLst>
               <a:ext uri="{FF2B5EF4-FFF2-40B4-BE49-F238E27FC236}">
-                <a16:creationId xmlns:a16="http://schemas.microsoft.com/office/drawing/2014/main" id="{A8E35D69-8EC4-998E-5E15-BA8B46D7A966}"/>
+                <a16:creationId xmlns:a16="http://schemas.microsoft.com/office/drawing/2014/main" id="{60EC95A4-AE33-DC46-EBC5-24F88DB3FD6C}"/>
               </a:ext>
             </a:extLst>
           </p:cNvPr>
@@ -2645,7 +2645,7 @@
           <p:cNvPr id="5" name="日期占位符 4">
             <a:extLst>
               <a:ext uri="{FF2B5EF4-FFF2-40B4-BE49-F238E27FC236}">
-                <a16:creationId xmlns:a16="http://schemas.microsoft.com/office/drawing/2014/main" id="{1E4F11EA-E393-02C6-623A-B5FC48187EA0}"/>
+                <a16:creationId xmlns:a16="http://schemas.microsoft.com/office/drawing/2014/main" id="{BE0E9C9B-FEF6-32D0-BB6F-32825497CF7E}"/>
               </a:ext>
             </a:extLst>
           </p:cNvPr>
@@ -2661,7 +2661,7 @@
           <a:bodyPr/>
           <a:lstStyle/>
           <a:p>
-            <a:fld id="{13D5B90F-437B-4921-9B3A-1F98147A23EE}" type="datetimeFigureOut">
+            <a:fld id="{CBDD8710-906D-4D73-BF3D-35B584857DDA}" type="datetimeFigureOut">
               <a:rPr lang="zh-CN" altLang="en-US" smtClean="0"/>
               <a:t>2024/3/10</a:t>
             </a:fld>
@@ -2674,7 +2674,7 @@
           <p:cNvPr id="6" name="页脚占位符 5">
             <a:extLst>
               <a:ext uri="{FF2B5EF4-FFF2-40B4-BE49-F238E27FC236}">
-                <a16:creationId xmlns:a16="http://schemas.microsoft.com/office/drawing/2014/main" id="{586C55D6-38E9-5074-DFE2-BAB0BC8C173D}"/>
+                <a16:creationId xmlns:a16="http://schemas.microsoft.com/office/drawing/2014/main" id="{488FEB5D-8D2B-AFE7-8B3C-BFEFA93A9022}"/>
               </a:ext>
             </a:extLst>
           </p:cNvPr>
@@ -2699,7 +2699,7 @@
           <p:cNvPr id="7" name="灯片编号占位符 6">
             <a:extLst>
               <a:ext uri="{FF2B5EF4-FFF2-40B4-BE49-F238E27FC236}">
-                <a16:creationId xmlns:a16="http://schemas.microsoft.com/office/drawing/2014/main" id="{683DED39-902C-FA84-7271-74EFA39CB0FD}"/>
+                <a16:creationId xmlns:a16="http://schemas.microsoft.com/office/drawing/2014/main" id="{B56F4859-3E41-D303-AFA4-9367A6812C43}"/>
               </a:ext>
             </a:extLst>
           </p:cNvPr>
@@ -2715,7 +2715,7 @@
           <a:bodyPr/>
           <a:lstStyle/>
           <a:p>
-            <a:fld id="{8E25FEE1-8D39-41A6-9126-8C4433D854E5}" type="slidenum">
+            <a:fld id="{030682BD-AD98-42FD-8D27-F732781E0A0B}" type="slidenum">
               <a:rPr lang="zh-CN" altLang="en-US" smtClean="0"/>
               <a:t>‹#›</a:t>
             </a:fld>
@@ -2726,7 +2726,7 @@
     </p:spTree>
     <p:extLst>
       <p:ext uri="{BB962C8B-B14F-4D97-AF65-F5344CB8AC3E}">
-        <p14:creationId xmlns:p14="http://schemas.microsoft.com/office/powerpoint/2010/main" val="2606632726"/>
+        <p14:creationId xmlns:p14="http://schemas.microsoft.com/office/powerpoint/2010/main" val="2995949254"/>
       </p:ext>
     </p:extLst>
   </p:cSld>
@@ -2763,7 +2763,7 @@
           <p:cNvPr id="2" name="标题占位符 1">
             <a:extLst>
               <a:ext uri="{FF2B5EF4-FFF2-40B4-BE49-F238E27FC236}">
-                <a16:creationId xmlns:a16="http://schemas.microsoft.com/office/drawing/2014/main" id="{36623504-937C-5FFC-5E77-E9A6511209DC}"/>
+                <a16:creationId xmlns:a16="http://schemas.microsoft.com/office/drawing/2014/main" id="{39406E22-8D70-B8F7-706B-52330706FAEC}"/>
               </a:ext>
             </a:extLst>
           </p:cNvPr>
@@ -2801,7 +2801,7 @@
           <p:cNvPr id="3" name="文本占位符 2">
             <a:extLst>
               <a:ext uri="{FF2B5EF4-FFF2-40B4-BE49-F238E27FC236}">
-                <a16:creationId xmlns:a16="http://schemas.microsoft.com/office/drawing/2014/main" id="{A808ADC7-B47D-D548-9EC0-4BF28BFFFE5A}"/>
+                <a16:creationId xmlns:a16="http://schemas.microsoft.com/office/drawing/2014/main" id="{F5FC7ECF-636C-8C58-B4F6-D5E76B41F360}"/>
               </a:ext>
             </a:extLst>
           </p:cNvPr>
@@ -2868,7 +2868,7 @@
           <p:cNvPr id="4" name="日期占位符 3">
             <a:extLst>
               <a:ext uri="{FF2B5EF4-FFF2-40B4-BE49-F238E27FC236}">
-                <a16:creationId xmlns:a16="http://schemas.microsoft.com/office/drawing/2014/main" id="{16BF70FE-F4AB-6124-267B-352B5213FA05}"/>
+                <a16:creationId xmlns:a16="http://schemas.microsoft.com/office/drawing/2014/main" id="{C6B952C6-2647-FA5C-2F25-84E9D0358298}"/>
               </a:ext>
             </a:extLst>
           </p:cNvPr>
@@ -2902,7 +2902,7 @@
             </a:lvl1pPr>
           </a:lstStyle>
           <a:p>
-            <a:fld id="{13D5B90F-437B-4921-9B3A-1F98147A23EE}" type="datetimeFigureOut">
+            <a:fld id="{CBDD8710-906D-4D73-BF3D-35B584857DDA}" type="datetimeFigureOut">
               <a:rPr lang="zh-CN" altLang="en-US" smtClean="0"/>
               <a:t>2024/3/10</a:t>
             </a:fld>
@@ -2915,7 +2915,7 @@
           <p:cNvPr id="5" name="页脚占位符 4">
             <a:extLst>
               <a:ext uri="{FF2B5EF4-FFF2-40B4-BE49-F238E27FC236}">
-                <a16:creationId xmlns:a16="http://schemas.microsoft.com/office/drawing/2014/main" id="{9D9FCD2C-BC8B-A114-354F-C67AAD04D934}"/>
+                <a16:creationId xmlns:a16="http://schemas.microsoft.com/office/drawing/2014/main" id="{5BE6F697-2C5E-63C0-9956-5C395590C8E7}"/>
               </a:ext>
             </a:extLst>
           </p:cNvPr>
@@ -2958,7 +2958,7 @@
           <p:cNvPr id="6" name="灯片编号占位符 5">
             <a:extLst>
               <a:ext uri="{FF2B5EF4-FFF2-40B4-BE49-F238E27FC236}">
-                <a16:creationId xmlns:a16="http://schemas.microsoft.com/office/drawing/2014/main" id="{04EEF770-E356-5813-9A1F-F82A75B04394}"/>
+                <a16:creationId xmlns:a16="http://schemas.microsoft.com/office/drawing/2014/main" id="{0C165FE3-609B-0798-54C5-C43885D932F7}"/>
               </a:ext>
             </a:extLst>
           </p:cNvPr>
@@ -2992,7 +2992,7 @@
             </a:lvl1pPr>
           </a:lstStyle>
           <a:p>
-            <a:fld id="{8E25FEE1-8D39-41A6-9126-8C4433D854E5}" type="slidenum">
+            <a:fld id="{030682BD-AD98-42FD-8D27-F732781E0A0B}" type="slidenum">
               <a:rPr lang="zh-CN" altLang="en-US" smtClean="0"/>
               <a:t>‹#›</a:t>
             </a:fld>
@@ -3003,7 +3003,7 @@
     </p:spTree>
     <p:extLst>
       <p:ext uri="{BB962C8B-B14F-4D97-AF65-F5344CB8AC3E}">
-        <p14:creationId xmlns:p14="http://schemas.microsoft.com/office/powerpoint/2010/main" val="559365755"/>
+        <p14:creationId xmlns:p14="http://schemas.microsoft.com/office/powerpoint/2010/main" val="2704827123"/>
       </p:ext>
     </p:extLst>
   </p:cSld>
@@ -3323,7 +3323,7 @@
       </p:grpSpPr>
       <p:pic>
         <p:nvPicPr>
-          <p:cNvPr id="397314" name="Picture 2" descr="387"/>
+          <p:cNvPr id="398338" name="Picture 2" descr="388"/>
           <p:cNvPicPr>
             <a:picLocks noChangeAspect="1" noChangeArrowheads="1"/>
           </p:cNvPicPr>
@@ -3375,11 +3375,158 @@
           </a:extLst>
         </p:spPr>
       </p:pic>
+      <p:pic>
+        <p:nvPicPr>
+          <p:cNvPr id="399363" name="Picture 3" descr="388-2"/>
+          <p:cNvPicPr>
+            <a:picLocks noChangeAspect="1" noChangeArrowheads="1"/>
+          </p:cNvPicPr>
+          <p:nvPr/>
+        </p:nvPicPr>
+        <p:blipFill>
+          <a:blip r:embed="rId3">
+            <a:extLst>
+              <a:ext uri="{28A0092B-C50C-407E-A947-70E740481C1C}">
+                <a14:useLocalDpi xmlns:a14="http://schemas.microsoft.com/office/drawing/2010/main" val="0"/>
+              </a:ext>
+            </a:extLst>
+          </a:blip>
+          <a:srcRect/>
+          <a:stretch>
+            <a:fillRect/>
+          </a:stretch>
+        </p:blipFill>
+        <p:spPr bwMode="auto">
+          <a:xfrm>
+            <a:off x="1524000" y="-11113"/>
+            <a:ext cx="9144000" cy="6869113"/>
+          </a:xfrm>
+          <a:prstGeom prst="rect">
+            <a:avLst/>
+          </a:prstGeom>
+          <a:noFill/>
+          <a:ln>
+            <a:noFill/>
+          </a:ln>
+          <a:effectLst/>
+          <a:extLst>
+            <a:ext uri="{909E8E84-426E-40DD-AFC4-6F175D3DCCD1}">
+              <a14:hiddenFill xmlns:a14="http://schemas.microsoft.com/office/drawing/2010/main">
+                <a:solidFill>
+                  <a:srgbClr val="FFFFFF"/>
+                </a:solidFill>
+              </a14:hiddenFill>
+            </a:ext>
+            <a:ext uri="{91240B29-F687-4F45-9708-019B960494DF}">
+              <a14:hiddenLine xmlns:a14="http://schemas.microsoft.com/office/drawing/2010/main" w="9525">
+                <a:solidFill>
+                  <a:srgbClr val="000000"/>
+                </a:solidFill>
+                <a:miter lim="800000"/>
+                <a:headEnd/>
+                <a:tailEnd/>
+              </a14:hiddenLine>
+            </a:ext>
+            <a:ext uri="{AF507438-7753-43E0-B8FC-AC1667EBCBE1}">
+              <a14:hiddenEffects xmlns:a14="http://schemas.microsoft.com/office/drawing/2010/main">
+                <a:effectLst>
+                  <a:outerShdw dist="35921" dir="2700000" algn="ctr" rotWithShape="0">
+                    <a:srgbClr val="808080"/>
+                  </a:outerShdw>
+                </a:effectLst>
+              </a14:hiddenEffects>
+            </a:ext>
+          </a:extLst>
+        </p:spPr>
+      </p:pic>
     </p:spTree>
   </p:cSld>
   <p:clrMapOvr>
     <a:masterClrMapping/>
   </p:clrMapOvr>
+  <p:timing>
+    <p:tnLst>
+      <p:par>
+        <p:cTn id="1" dur="indefinite" restart="never" nodeType="tmRoot">
+          <p:childTnLst>
+            <p:seq concurrent="1" nextAc="seek">
+              <p:cTn id="2" dur="indefinite" nodeType="mainSeq">
+                <p:childTnLst>
+                  <p:par>
+                    <p:cTn id="3" fill="hold" nodeType="clickPar">
+                      <p:stCondLst>
+                        <p:cond delay="indefinite"/>
+                      </p:stCondLst>
+                      <p:childTnLst>
+                        <p:par>
+                          <p:cTn id="4" fill="hold" nodeType="withGroup">
+                            <p:stCondLst>
+                              <p:cond delay="0"/>
+                            </p:stCondLst>
+                            <p:childTnLst>
+                              <p:par>
+                                <p:cTn id="5" presetID="10" presetClass="entr" presetSubtype="0" fill="hold" nodeType="clickEffect">
+                                  <p:stCondLst>
+                                    <p:cond delay="0"/>
+                                  </p:stCondLst>
+                                  <p:childTnLst>
+                                    <p:set>
+                                      <p:cBhvr>
+                                        <p:cTn id="6" dur="1" fill="hold">
+                                          <p:stCondLst>
+                                            <p:cond delay="0"/>
+                                          </p:stCondLst>
+                                        </p:cTn>
+                                        <p:tgtEl>
+                                          <p:spTgt spid="399363"/>
+                                        </p:tgtEl>
+                                        <p:attrNameLst>
+                                          <p:attrName>style.visibility</p:attrName>
+                                        </p:attrNameLst>
+                                      </p:cBhvr>
+                                      <p:to>
+                                        <p:strVal val="visible"/>
+                                      </p:to>
+                                    </p:set>
+                                    <p:animEffect transition="in" filter="fade">
+                                      <p:cBhvr>
+                                        <p:cTn id="7" dur="500"/>
+                                        <p:tgtEl>
+                                          <p:spTgt spid="399363"/>
+                                        </p:tgtEl>
+                                      </p:cBhvr>
+                                    </p:animEffect>
+                                  </p:childTnLst>
+                                </p:cTn>
+                              </p:par>
+                            </p:childTnLst>
+                          </p:cTn>
+                        </p:par>
+                      </p:childTnLst>
+                    </p:cTn>
+                  </p:par>
+                </p:childTnLst>
+              </p:cTn>
+              <p:prevCondLst>
+                <p:cond evt="onPrev" delay="0">
+                  <p:tgtEl>
+                    <p:sldTgt/>
+                  </p:tgtEl>
+                </p:cond>
+              </p:prevCondLst>
+              <p:nextCondLst>
+                <p:cond evt="onNext" delay="0">
+                  <p:tgtEl>
+                    <p:sldTgt/>
+                  </p:tgtEl>
+                </p:cond>
+              </p:nextCondLst>
+            </p:seq>
+          </p:childTnLst>
+        </p:cTn>
+      </p:par>
+    </p:tnLst>
+  </p:timing>
 </p:sld>
 </file>
 
